--- a/Docs/Speech/SpaceEncodersDevInf_LP.pptx
+++ b/Docs/Speech/SpaceEncodersDevInf_LP.pptx
@@ -12482,7 +12482,7 @@
           <a:p>
             <a:r>
               <a:rPr lang="fr-CH" dirty="0"/>
-              <a:t>Créer l’interpréteur pour tester les algorithmes construit</a:t>
+              <a:t>Créer l’interpréteur pour tester les algorithmes construits</a:t>
             </a:r>
           </a:p>
         </p:txBody>
@@ -13499,12 +13499,41 @@
           </a:p>
         </p:txBody>
       </p:sp>
+      <p:sp>
+        <p:nvSpPr>
+          <p:cNvPr id="7" name="Espace réservé du numéro de diapositive 6">
+            <a:extLst>
+              <a:ext uri="{FF2B5EF4-FFF2-40B4-BE49-F238E27FC236}">
+                <a16:creationId xmlns:a16="http://schemas.microsoft.com/office/drawing/2014/main" id="{465F6FD4-8438-4F43-B3C6-479236A7E66A}"/>
+              </a:ext>
+            </a:extLst>
+          </p:cNvPr>
+          <p:cNvSpPr>
+            <a:spLocks noGrp="1"/>
+          </p:cNvSpPr>
+          <p:nvPr>
+            <p:ph type="sldNum" sz="quarter" idx="12"/>
+          </p:nvPr>
+        </p:nvSpPr>
+        <p:spPr/>
+        <p:txBody>
+          <a:bodyPr/>
+          <a:lstStyle/>
+          <a:p>
+            <a:fld id="{1056C638-FA1D-4EFC-9191-5519C23221A6}" type="slidenum">
+              <a:rPr lang="fr-CH" smtClean="0"/>
+              <a:t>4</a:t>
+            </a:fld>
+            <a:endParaRPr lang="fr-CH"/>
+          </a:p>
+        </p:txBody>
+      </p:sp>
       <p:pic>
         <p:nvPicPr>
-          <p:cNvPr id="6" name="Image 5" descr="Une image contenant capture d’écran&#10;&#10;Description générée automatiquement">
-            <a:extLst>
-              <a:ext uri="{FF2B5EF4-FFF2-40B4-BE49-F238E27FC236}">
-                <a16:creationId xmlns:a16="http://schemas.microsoft.com/office/drawing/2014/main" id="{6DCF48A7-FBD7-41F9-BA3C-4281A8118026}"/>
+          <p:cNvPr id="2" name="Image 1">
+            <a:extLst>
+              <a:ext uri="{FF2B5EF4-FFF2-40B4-BE49-F238E27FC236}">
+                <a16:creationId xmlns:a16="http://schemas.microsoft.com/office/drawing/2014/main" id="{9693B3B8-0D85-414E-BAF1-5E3B70715219}"/>
               </a:ext>
             </a:extLst>
           </p:cNvPr>
@@ -13514,21 +13543,15 @@
           <p:nvPr/>
         </p:nvPicPr>
         <p:blipFill>
-          <a:blip r:embed="rId2">
-            <a:extLst>
-              <a:ext uri="{28A0092B-C50C-407E-A947-70E740481C1C}">
-                <a14:useLocalDpi xmlns:a14="http://schemas.microsoft.com/office/drawing/2010/main" val="0"/>
-              </a:ext>
-            </a:extLst>
-          </a:blip>
+          <a:blip r:embed="rId2"/>
           <a:stretch>
             <a:fillRect/>
           </a:stretch>
         </p:blipFill>
         <p:spPr>
           <a:xfrm>
-            <a:off x="2925662" y="2408547"/>
-            <a:ext cx="6340676" cy="2040906"/>
+            <a:off x="2924175" y="2665575"/>
+            <a:ext cx="6343650" cy="2047875"/>
           </a:xfrm>
           <a:prstGeom prst="rect">
             <a:avLst/>
@@ -13537,35 +13560,6 @@
       </p:pic>
       <p:sp>
         <p:nvSpPr>
-          <p:cNvPr id="7" name="Espace réservé du numéro de diapositive 6">
-            <a:extLst>
-              <a:ext uri="{FF2B5EF4-FFF2-40B4-BE49-F238E27FC236}">
-                <a16:creationId xmlns:a16="http://schemas.microsoft.com/office/drawing/2014/main" id="{465F6FD4-8438-4F43-B3C6-479236A7E66A}"/>
-              </a:ext>
-            </a:extLst>
-          </p:cNvPr>
-          <p:cNvSpPr>
-            <a:spLocks noGrp="1"/>
-          </p:cNvSpPr>
-          <p:nvPr>
-            <p:ph type="sldNum" sz="quarter" idx="12"/>
-          </p:nvPr>
-        </p:nvSpPr>
-        <p:spPr/>
-        <p:txBody>
-          <a:bodyPr/>
-          <a:lstStyle/>
-          <a:p>
-            <a:fld id="{1056C638-FA1D-4EFC-9191-5519C23221A6}" type="slidenum">
-              <a:rPr lang="fr-CH" smtClean="0"/>
-              <a:t>4</a:t>
-            </a:fld>
-            <a:endParaRPr lang="fr-CH"/>
-          </a:p>
-        </p:txBody>
-      </p:sp>
-      <p:sp>
-        <p:nvSpPr>
           <p:cNvPr id="5" name="Rectangle : coins arrondis 4">
             <a:extLst>
               <a:ext uri="{FF2B5EF4-FFF2-40B4-BE49-F238E27FC236}">
@@ -13578,7 +13572,7 @@
         </p:nvSpPr>
         <p:spPr>
           <a:xfrm>
-            <a:off x="6721311" y="2988297"/>
+            <a:off x="6721310" y="3245897"/>
             <a:ext cx="725864" cy="301658"/>
           </a:xfrm>
           <a:prstGeom prst="roundRect">
